--- a/알고리즘 스터디/5차시/숙제/BFS 스터디 자료.pptx
+++ b/알고리즘 스터디/5차시/숙제/BFS 스터디 자료.pptx
@@ -35,24 +35,24 @@
   <p:notesSz cx="6858000" cy="9144000"/>
   <p:embeddedFontLst>
     <p:embeddedFont>
-      <p:font typeface="-윤고딕310" charset="-127"/>
+      <p:font typeface="Consolas" panose="020B0609020204030204" pitchFamily="49" charset="0"/>
       <p:regular r:id="rId25"/>
+      <p:bold r:id="rId26"/>
+      <p:italic r:id="rId27"/>
+      <p:boldItalic r:id="rId28"/>
     </p:embeddedFont>
     <p:embeddedFont>
-      <p:font typeface="맑은 고딕" pitchFamily="50" charset="-127"/>
-      <p:regular r:id="rId26"/>
-      <p:bold r:id="rId27"/>
+      <p:font typeface="맑은 고딕" panose="020B0503020000020004" pitchFamily="50" charset="-127"/>
+      <p:regular r:id="rId29"/>
+      <p:bold r:id="rId30"/>
     </p:embeddedFont>
     <p:embeddedFont>
-      <p:font typeface="-윤고딕330" charset="-127"/>
-      <p:regular r:id="rId28"/>
+      <p:font typeface="-윤고딕310" panose="020B0600000101010101" charset="-127"/>
+      <p:regular r:id="rId31"/>
     </p:embeddedFont>
     <p:embeddedFont>
-      <p:font typeface="Consolas" pitchFamily="49" charset="0"/>
-      <p:regular r:id="rId29"/>
-      <p:bold r:id="rId30"/>
-      <p:italic r:id="rId31"/>
-      <p:boldItalic r:id="rId32"/>
+      <p:font typeface="-윤고딕330" panose="020B0600000101010101" charset="-127"/>
+      <p:regular r:id="rId32"/>
     </p:embeddedFont>
   </p:embeddedFontLst>
   <p:defaultTextStyle>
@@ -152,7 +152,7 @@
   </p:defaultTextStyle>
   <p:extLst>
     <p:ext uri="{EFAFB233-063F-42B5-8137-9DF3F51BA10A}">
-      <p15:sldGuideLst xmlns:p15="http://schemas.microsoft.com/office/powerpoint/2012/main" xmlns="">
+      <p15:sldGuideLst xmlns:p15="http://schemas.microsoft.com/office/powerpoint/2012/main">
         <p15:guide id="1" orient="horz" pos="2160">
           <p15:clr>
             <a:srgbClr val="A4A3A4"/>
@@ -677,6 +677,90 @@
     <p:extLst>
       <p:ext uri="{BB962C8B-B14F-4D97-AF65-F5344CB8AC3E}">
         <p14:creationId xmlns:p14="http://schemas.microsoft.com/office/powerpoint/2010/main" val="2894661601"/>
+      </p:ext>
+    </p:extLst>
+  </p:cSld>
+  <p:clrMapOvr>
+    <a:masterClrMapping/>
+  </p:clrMapOvr>
+</p:notes>
+</file>
+
+<file path=ppt/notesSlides/notesSlide3.xml><?xml version="1.0" encoding="utf-8"?>
+<p:notes xmlns:a="http://schemas.openxmlformats.org/drawingml/2006/main" xmlns:r="http://schemas.openxmlformats.org/officeDocument/2006/relationships" xmlns:p="http://schemas.openxmlformats.org/presentationml/2006/main">
+  <p:cSld>
+    <p:spTree>
+      <p:nvGrpSpPr>
+        <p:cNvPr id="1" name=""/>
+        <p:cNvGrpSpPr/>
+        <p:nvPr/>
+      </p:nvGrpSpPr>
+      <p:grpSpPr>
+        <a:xfrm>
+          <a:off x="0" y="0"/>
+          <a:ext cx="0" cy="0"/>
+          <a:chOff x="0" y="0"/>
+          <a:chExt cx="0" cy="0"/>
+        </a:xfrm>
+      </p:grpSpPr>
+      <p:sp>
+        <p:nvSpPr>
+          <p:cNvPr id="2" name="슬라이드 이미지 개체 틀 1"/>
+          <p:cNvSpPr>
+            <a:spLocks noGrp="1" noRot="1" noChangeAspect="1"/>
+          </p:cNvSpPr>
+          <p:nvPr>
+            <p:ph type="sldImg"/>
+          </p:nvPr>
+        </p:nvSpPr>
+        <p:spPr/>
+      </p:sp>
+      <p:sp>
+        <p:nvSpPr>
+          <p:cNvPr id="3" name="슬라이드 노트 개체 틀 2"/>
+          <p:cNvSpPr>
+            <a:spLocks noGrp="1"/>
+          </p:cNvSpPr>
+          <p:nvPr>
+            <p:ph type="body" idx="1"/>
+          </p:nvPr>
+        </p:nvSpPr>
+        <p:spPr/>
+        <p:txBody>
+          <a:bodyPr/>
+          <a:lstStyle/>
+          <a:p>
+            <a:endParaRPr lang="ko-KR" altLang="en-US" dirty="0"/>
+          </a:p>
+        </p:txBody>
+      </p:sp>
+      <p:sp>
+        <p:nvSpPr>
+          <p:cNvPr id="4" name="슬라이드 번호 개체 틀 3"/>
+          <p:cNvSpPr>
+            <a:spLocks noGrp="1"/>
+          </p:cNvSpPr>
+          <p:nvPr>
+            <p:ph type="sldNum" sz="quarter" idx="10"/>
+          </p:nvPr>
+        </p:nvSpPr>
+        <p:spPr/>
+        <p:txBody>
+          <a:bodyPr/>
+          <a:lstStyle/>
+          <a:p>
+            <a:fld id="{1702546F-6BED-4E75-B545-8C85BF2FFF1E}" type="slidenum">
+              <a:rPr lang="ko-KR" altLang="en-US" smtClean="0"/>
+              <a:t>21</a:t>
+            </a:fld>
+            <a:endParaRPr lang="ko-KR" altLang="en-US"/>
+          </a:p>
+        </p:txBody>
+      </p:sp>
+    </p:spTree>
+    <p:extLst>
+      <p:ext uri="{BB962C8B-B14F-4D97-AF65-F5344CB8AC3E}">
+        <p14:creationId xmlns:p14="http://schemas.microsoft.com/office/powerpoint/2010/main" val="3360537503"/>
       </p:ext>
     </p:extLst>
   </p:cSld>
@@ -3807,7 +3891,7 @@
           <p:cNvPr id="14" name="직사각형 13">
             <a:extLst>
               <a:ext uri="{FF2B5EF4-FFF2-40B4-BE49-F238E27FC236}">
-                <a16:creationId xmlns:a16="http://schemas.microsoft.com/office/drawing/2014/main" xmlns="" id="{2AB53A21-40B0-4094-869E-FC2990E3707A}"/>
+                <a16:creationId xmlns="" xmlns:a16="http://schemas.microsoft.com/office/drawing/2014/main" id="{2AB53A21-40B0-4094-869E-FC2990E3707A}"/>
               </a:ext>
             </a:extLst>
           </p:cNvPr>
@@ -3861,7 +3945,7 @@
           <p:cNvPr id="15" name="직사각형 14">
             <a:extLst>
               <a:ext uri="{FF2B5EF4-FFF2-40B4-BE49-F238E27FC236}">
-                <a16:creationId xmlns:a16="http://schemas.microsoft.com/office/drawing/2014/main" xmlns="" id="{6D52DA3A-DD56-4D69-8EFE-7D07621C6286}"/>
+                <a16:creationId xmlns="" xmlns:a16="http://schemas.microsoft.com/office/drawing/2014/main" id="{6D52DA3A-DD56-4D69-8EFE-7D07621C6286}"/>
               </a:ext>
             </a:extLst>
           </p:cNvPr>
@@ -3915,7 +3999,7 @@
           <p:cNvPr id="2" name="직사각형 1">
             <a:extLst>
               <a:ext uri="{FF2B5EF4-FFF2-40B4-BE49-F238E27FC236}">
-                <a16:creationId xmlns:a16="http://schemas.microsoft.com/office/drawing/2014/main" xmlns="" id="{0CD0F062-16B7-4874-9517-26F9119AC11F}"/>
+                <a16:creationId xmlns="" xmlns:a16="http://schemas.microsoft.com/office/drawing/2014/main" id="{0CD0F062-16B7-4874-9517-26F9119AC11F}"/>
               </a:ext>
             </a:extLst>
           </p:cNvPr>
@@ -4368,7 +4452,7 @@
           <p:cNvPr id="9" name="그룹 8">
             <a:extLst>
               <a:ext uri="{FF2B5EF4-FFF2-40B4-BE49-F238E27FC236}">
-                <a16:creationId xmlns:a16="http://schemas.microsoft.com/office/drawing/2014/main" xmlns="" id="{37390E3E-ED14-4091-B7CC-F0079018BE0B}"/>
+                <a16:creationId xmlns="" xmlns:a16="http://schemas.microsoft.com/office/drawing/2014/main" id="{37390E3E-ED14-4091-B7CC-F0079018BE0B}"/>
               </a:ext>
             </a:extLst>
           </p:cNvPr>
@@ -4388,7 +4472,7 @@
             <p:cNvPr id="10" name="직사각형 9">
               <a:extLst>
                 <a:ext uri="{FF2B5EF4-FFF2-40B4-BE49-F238E27FC236}">
-                  <a16:creationId xmlns:a16="http://schemas.microsoft.com/office/drawing/2014/main" xmlns="" id="{84956FAA-62DC-47AA-9B75-BA0A5DCECF38}"/>
+                  <a16:creationId xmlns="" xmlns:a16="http://schemas.microsoft.com/office/drawing/2014/main" id="{84956FAA-62DC-47AA-9B75-BA0A5DCECF38}"/>
                 </a:ext>
               </a:extLst>
             </p:cNvPr>
@@ -4442,7 +4526,7 @@
             <p:cNvPr id="11" name="직사각형 10">
               <a:extLst>
                 <a:ext uri="{FF2B5EF4-FFF2-40B4-BE49-F238E27FC236}">
-                  <a16:creationId xmlns:a16="http://schemas.microsoft.com/office/drawing/2014/main" xmlns="" id="{E9E09E51-CAE7-453C-A0CB-92E385D9C63F}"/>
+                  <a16:creationId xmlns="" xmlns:a16="http://schemas.microsoft.com/office/drawing/2014/main" id="{E9E09E51-CAE7-453C-A0CB-92E385D9C63F}"/>
                 </a:ext>
               </a:extLst>
             </p:cNvPr>
@@ -4517,7 +4601,7 @@
             <p:cNvPr id="13" name="직사각형 12">
               <a:extLst>
                 <a:ext uri="{FF2B5EF4-FFF2-40B4-BE49-F238E27FC236}">
-                  <a16:creationId xmlns:a16="http://schemas.microsoft.com/office/drawing/2014/main" xmlns="" id="{3FE672DB-C66C-426E-98F5-0A6D539F5960}"/>
+                  <a16:creationId xmlns="" xmlns:a16="http://schemas.microsoft.com/office/drawing/2014/main" id="{3FE672DB-C66C-426E-98F5-0A6D539F5960}"/>
                 </a:ext>
               </a:extLst>
             </p:cNvPr>
@@ -5399,7 +5483,7 @@
           <p:cNvPr id="3" name="그룹 2">
             <a:extLst>
               <a:ext uri="{FF2B5EF4-FFF2-40B4-BE49-F238E27FC236}">
-                <a16:creationId xmlns:a16="http://schemas.microsoft.com/office/drawing/2014/main" xmlns="" id="{D41E3857-645A-41BE-BDDE-9D1D5AE11D1A}"/>
+                <a16:creationId xmlns="" xmlns:a16="http://schemas.microsoft.com/office/drawing/2014/main" id="{D41E3857-645A-41BE-BDDE-9D1D5AE11D1A}"/>
               </a:ext>
             </a:extLst>
           </p:cNvPr>
@@ -5419,7 +5503,7 @@
             <p:cNvPr id="16" name="타원 15">
               <a:extLst>
                 <a:ext uri="{FF2B5EF4-FFF2-40B4-BE49-F238E27FC236}">
-                  <a16:creationId xmlns:a16="http://schemas.microsoft.com/office/drawing/2014/main" xmlns="" id="{82C99221-6B1A-4D9F-8D8E-AA7947CE26FB}"/>
+                  <a16:creationId xmlns="" xmlns:a16="http://schemas.microsoft.com/office/drawing/2014/main" id="{82C99221-6B1A-4D9F-8D8E-AA7947CE26FB}"/>
                 </a:ext>
               </a:extLst>
             </p:cNvPr>
@@ -5498,7 +5582,7 @@
             <p:cNvPr id="18" name="직선 연결선 17">
               <a:extLst>
                 <a:ext uri="{FF2B5EF4-FFF2-40B4-BE49-F238E27FC236}">
-                  <a16:creationId xmlns:a16="http://schemas.microsoft.com/office/drawing/2014/main" xmlns="" id="{A1E3A3FD-4536-4DBF-998B-05F9619386DA}"/>
+                  <a16:creationId xmlns="" xmlns:a16="http://schemas.microsoft.com/office/drawing/2014/main" id="{A1E3A3FD-4536-4DBF-998B-05F9619386DA}"/>
                 </a:ext>
               </a:extLst>
             </p:cNvPr>
@@ -5539,7 +5623,7 @@
             <p:cNvPr id="21" name="타원 20">
               <a:extLst>
                 <a:ext uri="{FF2B5EF4-FFF2-40B4-BE49-F238E27FC236}">
-                  <a16:creationId xmlns:a16="http://schemas.microsoft.com/office/drawing/2014/main" xmlns="" id="{8341E668-9523-4C4A-81EE-E3F790F43805}"/>
+                  <a16:creationId xmlns="" xmlns:a16="http://schemas.microsoft.com/office/drawing/2014/main" id="{8341E668-9523-4C4A-81EE-E3F790F43805}"/>
                 </a:ext>
               </a:extLst>
             </p:cNvPr>
@@ -5618,7 +5702,7 @@
             <p:cNvPr id="25" name="직선 연결선 24">
               <a:extLst>
                 <a:ext uri="{FF2B5EF4-FFF2-40B4-BE49-F238E27FC236}">
-                  <a16:creationId xmlns:a16="http://schemas.microsoft.com/office/drawing/2014/main" xmlns="" id="{ED9C352A-4895-48C1-B4DD-7828A9B48CF4}"/>
+                  <a16:creationId xmlns="" xmlns:a16="http://schemas.microsoft.com/office/drawing/2014/main" id="{ED9C352A-4895-48C1-B4DD-7828A9B48CF4}"/>
                 </a:ext>
               </a:extLst>
             </p:cNvPr>
@@ -5659,7 +5743,7 @@
             <p:cNvPr id="27" name="타원 26">
               <a:extLst>
                 <a:ext uri="{FF2B5EF4-FFF2-40B4-BE49-F238E27FC236}">
-                  <a16:creationId xmlns:a16="http://schemas.microsoft.com/office/drawing/2014/main" xmlns="" id="{EF21B3C6-3540-446A-94D7-9FE0E9EB23C1}"/>
+                  <a16:creationId xmlns="" xmlns:a16="http://schemas.microsoft.com/office/drawing/2014/main" id="{EF21B3C6-3540-446A-94D7-9FE0E9EB23C1}"/>
                 </a:ext>
               </a:extLst>
             </p:cNvPr>
@@ -5739,7 +5823,7 @@
           <p:cNvPr id="32" name="TextBox 31">
             <a:extLst>
               <a:ext uri="{FF2B5EF4-FFF2-40B4-BE49-F238E27FC236}">
-                <a16:creationId xmlns:a16="http://schemas.microsoft.com/office/drawing/2014/main" xmlns="" id="{1BEADE4F-EBCF-485D-A3A1-7832673A3ECC}"/>
+                <a16:creationId xmlns="" xmlns:a16="http://schemas.microsoft.com/office/drawing/2014/main" id="{1BEADE4F-EBCF-485D-A3A1-7832673A3ECC}"/>
               </a:ext>
             </a:extLst>
           </p:cNvPr>
@@ -5783,7 +5867,7 @@
           <p:cNvPr id="35" name="TextBox 34">
             <a:extLst>
               <a:ext uri="{FF2B5EF4-FFF2-40B4-BE49-F238E27FC236}">
-                <a16:creationId xmlns:a16="http://schemas.microsoft.com/office/drawing/2014/main" xmlns="" id="{89EC74A7-4496-4A9C-8307-FB322DE10B2B}"/>
+                <a16:creationId xmlns="" xmlns:a16="http://schemas.microsoft.com/office/drawing/2014/main" id="{89EC74A7-4496-4A9C-8307-FB322DE10B2B}"/>
               </a:ext>
             </a:extLst>
           </p:cNvPr>
@@ -5827,7 +5911,7 @@
           <p:cNvPr id="36" name="TextBox 35">
             <a:extLst>
               <a:ext uri="{FF2B5EF4-FFF2-40B4-BE49-F238E27FC236}">
-                <a16:creationId xmlns:a16="http://schemas.microsoft.com/office/drawing/2014/main" xmlns="" id="{78C85534-4FEA-499A-93A5-43244104FB53}"/>
+                <a16:creationId xmlns="" xmlns:a16="http://schemas.microsoft.com/office/drawing/2014/main" id="{78C85534-4FEA-499A-93A5-43244104FB53}"/>
               </a:ext>
             </a:extLst>
           </p:cNvPr>
@@ -5871,7 +5955,7 @@
           <p:cNvPr id="37" name="TextBox 36">
             <a:extLst>
               <a:ext uri="{FF2B5EF4-FFF2-40B4-BE49-F238E27FC236}">
-                <a16:creationId xmlns:a16="http://schemas.microsoft.com/office/drawing/2014/main" xmlns="" id="{01C8F4B9-E404-43AD-9185-B298254C1456}"/>
+                <a16:creationId xmlns="" xmlns:a16="http://schemas.microsoft.com/office/drawing/2014/main" id="{01C8F4B9-E404-43AD-9185-B298254C1456}"/>
               </a:ext>
             </a:extLst>
           </p:cNvPr>
@@ -5915,7 +5999,7 @@
           <p:cNvPr id="38" name="TextBox 37">
             <a:extLst>
               <a:ext uri="{FF2B5EF4-FFF2-40B4-BE49-F238E27FC236}">
-                <a16:creationId xmlns:a16="http://schemas.microsoft.com/office/drawing/2014/main" xmlns="" id="{4341B58E-4C63-4561-A7D9-134F7B22F76D}"/>
+                <a16:creationId xmlns="" xmlns:a16="http://schemas.microsoft.com/office/drawing/2014/main" id="{4341B58E-4C63-4561-A7D9-134F7B22F76D}"/>
               </a:ext>
             </a:extLst>
           </p:cNvPr>
@@ -5959,7 +6043,7 @@
           <p:cNvPr id="40" name="TextBox 39">
             <a:extLst>
               <a:ext uri="{FF2B5EF4-FFF2-40B4-BE49-F238E27FC236}">
-                <a16:creationId xmlns:a16="http://schemas.microsoft.com/office/drawing/2014/main" xmlns="" id="{2F981F27-7180-4E4F-9D69-C7C708FDA8CF}"/>
+                <a16:creationId xmlns="" xmlns:a16="http://schemas.microsoft.com/office/drawing/2014/main" id="{2F981F27-7180-4E4F-9D69-C7C708FDA8CF}"/>
               </a:ext>
             </a:extLst>
           </p:cNvPr>
@@ -6003,7 +6087,7 @@
           <p:cNvPr id="41" name="TextBox 40">
             <a:extLst>
               <a:ext uri="{FF2B5EF4-FFF2-40B4-BE49-F238E27FC236}">
-                <a16:creationId xmlns:a16="http://schemas.microsoft.com/office/drawing/2014/main" xmlns="" id="{D9DED344-07EB-49F0-829E-43A2A5C53589}"/>
+                <a16:creationId xmlns="" xmlns:a16="http://schemas.microsoft.com/office/drawing/2014/main" id="{D9DED344-07EB-49F0-829E-43A2A5C53589}"/>
               </a:ext>
             </a:extLst>
           </p:cNvPr>
@@ -6047,7 +6131,7 @@
           <p:cNvPr id="42" name="TextBox 41">
             <a:extLst>
               <a:ext uri="{FF2B5EF4-FFF2-40B4-BE49-F238E27FC236}">
-                <a16:creationId xmlns:a16="http://schemas.microsoft.com/office/drawing/2014/main" xmlns="" id="{42F3EEC3-D6D1-40EB-A61A-63A620CC9D27}"/>
+                <a16:creationId xmlns="" xmlns:a16="http://schemas.microsoft.com/office/drawing/2014/main" id="{42F3EEC3-D6D1-40EB-A61A-63A620CC9D27}"/>
               </a:ext>
             </a:extLst>
           </p:cNvPr>
@@ -6091,7 +6175,7 @@
           <p:cNvPr id="43" name="TextBox 42">
             <a:extLst>
               <a:ext uri="{FF2B5EF4-FFF2-40B4-BE49-F238E27FC236}">
-                <a16:creationId xmlns:a16="http://schemas.microsoft.com/office/drawing/2014/main" xmlns="" id="{CF2CE3A3-D6FF-4604-8C38-D8C4E8340AFA}"/>
+                <a16:creationId xmlns="" xmlns:a16="http://schemas.microsoft.com/office/drawing/2014/main" id="{CF2CE3A3-D6FF-4604-8C38-D8C4E8340AFA}"/>
               </a:ext>
             </a:extLst>
           </p:cNvPr>
@@ -6135,7 +6219,7 @@
           <p:cNvPr id="33" name="타원 32">
             <a:extLst>
               <a:ext uri="{FF2B5EF4-FFF2-40B4-BE49-F238E27FC236}">
-                <a16:creationId xmlns:a16="http://schemas.microsoft.com/office/drawing/2014/main" xmlns="" id="{8A5721FA-75E1-4820-A10E-518C50659234}"/>
+                <a16:creationId xmlns="" xmlns:a16="http://schemas.microsoft.com/office/drawing/2014/main" id="{8A5721FA-75E1-4820-A10E-518C50659234}"/>
               </a:ext>
             </a:extLst>
           </p:cNvPr>
@@ -6187,7 +6271,7 @@
           <p:cNvPr id="46" name="타원 45">
             <a:extLst>
               <a:ext uri="{FF2B5EF4-FFF2-40B4-BE49-F238E27FC236}">
-                <a16:creationId xmlns:a16="http://schemas.microsoft.com/office/drawing/2014/main" xmlns="" id="{5730A084-CE18-4CBC-9065-8EF35CCE1693}"/>
+                <a16:creationId xmlns="" xmlns:a16="http://schemas.microsoft.com/office/drawing/2014/main" id="{5730A084-CE18-4CBC-9065-8EF35CCE1693}"/>
               </a:ext>
             </a:extLst>
           </p:cNvPr>
@@ -6269,7 +6353,7 @@
           <p:cNvPr id="14" name="직사각형 13">
             <a:extLst>
               <a:ext uri="{FF2B5EF4-FFF2-40B4-BE49-F238E27FC236}">
-                <a16:creationId xmlns:a16="http://schemas.microsoft.com/office/drawing/2014/main" xmlns="" id="{2AB53A21-40B0-4094-869E-FC2990E3707A}"/>
+                <a16:creationId xmlns="" xmlns:a16="http://schemas.microsoft.com/office/drawing/2014/main" id="{2AB53A21-40B0-4094-869E-FC2990E3707A}"/>
               </a:ext>
             </a:extLst>
           </p:cNvPr>
@@ -6323,7 +6407,7 @@
           <p:cNvPr id="15" name="직사각형 14">
             <a:extLst>
               <a:ext uri="{FF2B5EF4-FFF2-40B4-BE49-F238E27FC236}">
-                <a16:creationId xmlns:a16="http://schemas.microsoft.com/office/drawing/2014/main" xmlns="" id="{6D52DA3A-DD56-4D69-8EFE-7D07621C6286}"/>
+                <a16:creationId xmlns="" xmlns:a16="http://schemas.microsoft.com/office/drawing/2014/main" id="{6D52DA3A-DD56-4D69-8EFE-7D07621C6286}"/>
               </a:ext>
             </a:extLst>
           </p:cNvPr>
@@ -6377,7 +6461,7 @@
           <p:cNvPr id="2" name="직사각형 1">
             <a:extLst>
               <a:ext uri="{FF2B5EF4-FFF2-40B4-BE49-F238E27FC236}">
-                <a16:creationId xmlns:a16="http://schemas.microsoft.com/office/drawing/2014/main" xmlns="" id="{0CD0F062-16B7-4874-9517-26F9119AC11F}"/>
+                <a16:creationId xmlns="" xmlns:a16="http://schemas.microsoft.com/office/drawing/2014/main" id="{0CD0F062-16B7-4874-9517-26F9119AC11F}"/>
               </a:ext>
             </a:extLst>
           </p:cNvPr>
@@ -6830,7 +6914,7 @@
           <p:cNvPr id="9" name="그룹 8">
             <a:extLst>
               <a:ext uri="{FF2B5EF4-FFF2-40B4-BE49-F238E27FC236}">
-                <a16:creationId xmlns:a16="http://schemas.microsoft.com/office/drawing/2014/main" xmlns="" id="{37390E3E-ED14-4091-B7CC-F0079018BE0B}"/>
+                <a16:creationId xmlns="" xmlns:a16="http://schemas.microsoft.com/office/drawing/2014/main" id="{37390E3E-ED14-4091-B7CC-F0079018BE0B}"/>
               </a:ext>
             </a:extLst>
           </p:cNvPr>
@@ -6850,7 +6934,7 @@
             <p:cNvPr id="10" name="직사각형 9">
               <a:extLst>
                 <a:ext uri="{FF2B5EF4-FFF2-40B4-BE49-F238E27FC236}">
-                  <a16:creationId xmlns:a16="http://schemas.microsoft.com/office/drawing/2014/main" xmlns="" id="{84956FAA-62DC-47AA-9B75-BA0A5DCECF38}"/>
+                  <a16:creationId xmlns="" xmlns:a16="http://schemas.microsoft.com/office/drawing/2014/main" id="{84956FAA-62DC-47AA-9B75-BA0A5DCECF38}"/>
                 </a:ext>
               </a:extLst>
             </p:cNvPr>
@@ -6904,7 +6988,7 @@
             <p:cNvPr id="11" name="직사각형 10">
               <a:extLst>
                 <a:ext uri="{FF2B5EF4-FFF2-40B4-BE49-F238E27FC236}">
-                  <a16:creationId xmlns:a16="http://schemas.microsoft.com/office/drawing/2014/main" xmlns="" id="{E9E09E51-CAE7-453C-A0CB-92E385D9C63F}"/>
+                  <a16:creationId xmlns="" xmlns:a16="http://schemas.microsoft.com/office/drawing/2014/main" id="{E9E09E51-CAE7-453C-A0CB-92E385D9C63F}"/>
                 </a:ext>
               </a:extLst>
             </p:cNvPr>
@@ -6979,7 +7063,7 @@
             <p:cNvPr id="13" name="직사각형 12">
               <a:extLst>
                 <a:ext uri="{FF2B5EF4-FFF2-40B4-BE49-F238E27FC236}">
-                  <a16:creationId xmlns:a16="http://schemas.microsoft.com/office/drawing/2014/main" xmlns="" id="{3FE672DB-C66C-426E-98F5-0A6D539F5960}"/>
+                  <a16:creationId xmlns="" xmlns:a16="http://schemas.microsoft.com/office/drawing/2014/main" id="{3FE672DB-C66C-426E-98F5-0A6D539F5960}"/>
                 </a:ext>
               </a:extLst>
             </p:cNvPr>
@@ -7861,7 +7945,7 @@
           <p:cNvPr id="3" name="그룹 2">
             <a:extLst>
               <a:ext uri="{FF2B5EF4-FFF2-40B4-BE49-F238E27FC236}">
-                <a16:creationId xmlns:a16="http://schemas.microsoft.com/office/drawing/2014/main" xmlns="" id="{D41E3857-645A-41BE-BDDE-9D1D5AE11D1A}"/>
+                <a16:creationId xmlns="" xmlns:a16="http://schemas.microsoft.com/office/drawing/2014/main" id="{D41E3857-645A-41BE-BDDE-9D1D5AE11D1A}"/>
               </a:ext>
             </a:extLst>
           </p:cNvPr>
@@ -7881,7 +7965,7 @@
             <p:cNvPr id="16" name="타원 15">
               <a:extLst>
                 <a:ext uri="{FF2B5EF4-FFF2-40B4-BE49-F238E27FC236}">
-                  <a16:creationId xmlns:a16="http://schemas.microsoft.com/office/drawing/2014/main" xmlns="" id="{82C99221-6B1A-4D9F-8D8E-AA7947CE26FB}"/>
+                  <a16:creationId xmlns="" xmlns:a16="http://schemas.microsoft.com/office/drawing/2014/main" id="{82C99221-6B1A-4D9F-8D8E-AA7947CE26FB}"/>
                 </a:ext>
               </a:extLst>
             </p:cNvPr>
@@ -7960,7 +8044,7 @@
             <p:cNvPr id="18" name="직선 연결선 17">
               <a:extLst>
                 <a:ext uri="{FF2B5EF4-FFF2-40B4-BE49-F238E27FC236}">
-                  <a16:creationId xmlns:a16="http://schemas.microsoft.com/office/drawing/2014/main" xmlns="" id="{A1E3A3FD-4536-4DBF-998B-05F9619386DA}"/>
+                  <a16:creationId xmlns="" xmlns:a16="http://schemas.microsoft.com/office/drawing/2014/main" id="{A1E3A3FD-4536-4DBF-998B-05F9619386DA}"/>
                 </a:ext>
               </a:extLst>
             </p:cNvPr>
@@ -8001,7 +8085,7 @@
             <p:cNvPr id="21" name="타원 20">
               <a:extLst>
                 <a:ext uri="{FF2B5EF4-FFF2-40B4-BE49-F238E27FC236}">
-                  <a16:creationId xmlns:a16="http://schemas.microsoft.com/office/drawing/2014/main" xmlns="" id="{8341E668-9523-4C4A-81EE-E3F790F43805}"/>
+                  <a16:creationId xmlns="" xmlns:a16="http://schemas.microsoft.com/office/drawing/2014/main" id="{8341E668-9523-4C4A-81EE-E3F790F43805}"/>
                 </a:ext>
               </a:extLst>
             </p:cNvPr>
@@ -8080,7 +8164,7 @@
             <p:cNvPr id="25" name="직선 연결선 24">
               <a:extLst>
                 <a:ext uri="{FF2B5EF4-FFF2-40B4-BE49-F238E27FC236}">
-                  <a16:creationId xmlns:a16="http://schemas.microsoft.com/office/drawing/2014/main" xmlns="" id="{ED9C352A-4895-48C1-B4DD-7828A9B48CF4}"/>
+                  <a16:creationId xmlns="" xmlns:a16="http://schemas.microsoft.com/office/drawing/2014/main" id="{ED9C352A-4895-48C1-B4DD-7828A9B48CF4}"/>
                 </a:ext>
               </a:extLst>
             </p:cNvPr>
@@ -8121,7 +8205,7 @@
             <p:cNvPr id="27" name="타원 26">
               <a:extLst>
                 <a:ext uri="{FF2B5EF4-FFF2-40B4-BE49-F238E27FC236}">
-                  <a16:creationId xmlns:a16="http://schemas.microsoft.com/office/drawing/2014/main" xmlns="" id="{EF21B3C6-3540-446A-94D7-9FE0E9EB23C1}"/>
+                  <a16:creationId xmlns="" xmlns:a16="http://schemas.microsoft.com/office/drawing/2014/main" id="{EF21B3C6-3540-446A-94D7-9FE0E9EB23C1}"/>
                 </a:ext>
               </a:extLst>
             </p:cNvPr>
@@ -8201,7 +8285,7 @@
           <p:cNvPr id="38" name="TextBox 37">
             <a:extLst>
               <a:ext uri="{FF2B5EF4-FFF2-40B4-BE49-F238E27FC236}">
-                <a16:creationId xmlns:a16="http://schemas.microsoft.com/office/drawing/2014/main" xmlns="" id="{4341B58E-4C63-4561-A7D9-134F7B22F76D}"/>
+                <a16:creationId xmlns="" xmlns:a16="http://schemas.microsoft.com/office/drawing/2014/main" id="{4341B58E-4C63-4561-A7D9-134F7B22F76D}"/>
               </a:ext>
             </a:extLst>
           </p:cNvPr>
@@ -8245,7 +8329,7 @@
           <p:cNvPr id="40" name="TextBox 39">
             <a:extLst>
               <a:ext uri="{FF2B5EF4-FFF2-40B4-BE49-F238E27FC236}">
-                <a16:creationId xmlns:a16="http://schemas.microsoft.com/office/drawing/2014/main" xmlns="" id="{2F981F27-7180-4E4F-9D69-C7C708FDA8CF}"/>
+                <a16:creationId xmlns="" xmlns:a16="http://schemas.microsoft.com/office/drawing/2014/main" id="{2F981F27-7180-4E4F-9D69-C7C708FDA8CF}"/>
               </a:ext>
             </a:extLst>
           </p:cNvPr>
@@ -8289,7 +8373,7 @@
           <p:cNvPr id="33" name="타원 32">
             <a:extLst>
               <a:ext uri="{FF2B5EF4-FFF2-40B4-BE49-F238E27FC236}">
-                <a16:creationId xmlns:a16="http://schemas.microsoft.com/office/drawing/2014/main" xmlns="" id="{DFC6217D-DFB4-48C3-802E-1919B1586DEB}"/>
+                <a16:creationId xmlns="" xmlns:a16="http://schemas.microsoft.com/office/drawing/2014/main" id="{DFC6217D-DFB4-48C3-802E-1919B1586DEB}"/>
               </a:ext>
             </a:extLst>
           </p:cNvPr>
@@ -8341,7 +8425,7 @@
           <p:cNvPr id="34" name="타원 33">
             <a:extLst>
               <a:ext uri="{FF2B5EF4-FFF2-40B4-BE49-F238E27FC236}">
-                <a16:creationId xmlns:a16="http://schemas.microsoft.com/office/drawing/2014/main" xmlns="" id="{65882F2B-6E92-4E12-A7F5-8C32E389DF0C}"/>
+                <a16:creationId xmlns="" xmlns:a16="http://schemas.microsoft.com/office/drawing/2014/main" id="{65882F2B-6E92-4E12-A7F5-8C32E389DF0C}"/>
               </a:ext>
             </a:extLst>
           </p:cNvPr>
@@ -8393,7 +8477,7 @@
           <p:cNvPr id="42" name="TextBox 41">
             <a:extLst>
               <a:ext uri="{FF2B5EF4-FFF2-40B4-BE49-F238E27FC236}">
-                <a16:creationId xmlns:a16="http://schemas.microsoft.com/office/drawing/2014/main" xmlns="" id="{97ECE89A-1307-496A-B349-12F3F5EC7D53}"/>
+                <a16:creationId xmlns="" xmlns:a16="http://schemas.microsoft.com/office/drawing/2014/main" id="{97ECE89A-1307-496A-B349-12F3F5EC7D53}"/>
               </a:ext>
             </a:extLst>
           </p:cNvPr>
@@ -8437,7 +8521,7 @@
           <p:cNvPr id="43" name="TextBox 42">
             <a:extLst>
               <a:ext uri="{FF2B5EF4-FFF2-40B4-BE49-F238E27FC236}">
-                <a16:creationId xmlns:a16="http://schemas.microsoft.com/office/drawing/2014/main" xmlns="" id="{77FA03CF-84D1-4D4E-95E5-D70773D7B8C8}"/>
+                <a16:creationId xmlns="" xmlns:a16="http://schemas.microsoft.com/office/drawing/2014/main" id="{77FA03CF-84D1-4D4E-95E5-D70773D7B8C8}"/>
               </a:ext>
             </a:extLst>
           </p:cNvPr>
@@ -8481,7 +8565,7 @@
           <p:cNvPr id="44" name="TextBox 43">
             <a:extLst>
               <a:ext uri="{FF2B5EF4-FFF2-40B4-BE49-F238E27FC236}">
-                <a16:creationId xmlns:a16="http://schemas.microsoft.com/office/drawing/2014/main" xmlns="" id="{E6A33185-1C61-4E1F-A62C-6FF5CFC01A7F}"/>
+                <a16:creationId xmlns="" xmlns:a16="http://schemas.microsoft.com/office/drawing/2014/main" id="{E6A33185-1C61-4E1F-A62C-6FF5CFC01A7F}"/>
               </a:ext>
             </a:extLst>
           </p:cNvPr>
@@ -11050,63 +11134,63 @@
                 <a:gridCol w="1038406">
                   <a:extLst>
                     <a:ext uri="{9D8B030D-6E8A-4147-A177-3AD203B41FA5}">
-                      <a16:colId xmlns:a16="http://schemas.microsoft.com/office/drawing/2014/main" xmlns="" val="20000"/>
+                      <a16:colId xmlns="" xmlns:a16="http://schemas.microsoft.com/office/drawing/2014/main" val="20000"/>
                     </a:ext>
                   </a:extLst>
                 </a:gridCol>
                 <a:gridCol w="468000">
                   <a:extLst>
                     <a:ext uri="{9D8B030D-6E8A-4147-A177-3AD203B41FA5}">
-                      <a16:colId xmlns:a16="http://schemas.microsoft.com/office/drawing/2014/main" xmlns="" val="20001"/>
+                      <a16:colId xmlns="" xmlns:a16="http://schemas.microsoft.com/office/drawing/2014/main" val="20001"/>
                     </a:ext>
                   </a:extLst>
                 </a:gridCol>
                 <a:gridCol w="468000">
                   <a:extLst>
                     <a:ext uri="{9D8B030D-6E8A-4147-A177-3AD203B41FA5}">
-                      <a16:colId xmlns:a16="http://schemas.microsoft.com/office/drawing/2014/main" xmlns="" val="20002"/>
+                      <a16:colId xmlns="" xmlns:a16="http://schemas.microsoft.com/office/drawing/2014/main" val="20002"/>
                     </a:ext>
                   </a:extLst>
                 </a:gridCol>
                 <a:gridCol w="468000">
                   <a:extLst>
                     <a:ext uri="{9D8B030D-6E8A-4147-A177-3AD203B41FA5}">
-                      <a16:colId xmlns:a16="http://schemas.microsoft.com/office/drawing/2014/main" xmlns="" val="20003"/>
+                      <a16:colId xmlns="" xmlns:a16="http://schemas.microsoft.com/office/drawing/2014/main" val="20003"/>
                     </a:ext>
                   </a:extLst>
                 </a:gridCol>
                 <a:gridCol w="468000">
                   <a:extLst>
                     <a:ext uri="{9D8B030D-6E8A-4147-A177-3AD203B41FA5}">
-                      <a16:colId xmlns:a16="http://schemas.microsoft.com/office/drawing/2014/main" xmlns="" val="20004"/>
+                      <a16:colId xmlns="" xmlns:a16="http://schemas.microsoft.com/office/drawing/2014/main" val="20004"/>
                     </a:ext>
                   </a:extLst>
                 </a:gridCol>
                 <a:gridCol w="468000">
                   <a:extLst>
                     <a:ext uri="{9D8B030D-6E8A-4147-A177-3AD203B41FA5}">
-                      <a16:colId xmlns:a16="http://schemas.microsoft.com/office/drawing/2014/main" xmlns="" val="20005"/>
+                      <a16:colId xmlns="" xmlns:a16="http://schemas.microsoft.com/office/drawing/2014/main" val="20005"/>
                     </a:ext>
                   </a:extLst>
                 </a:gridCol>
                 <a:gridCol w="468000">
                   <a:extLst>
                     <a:ext uri="{9D8B030D-6E8A-4147-A177-3AD203B41FA5}">
-                      <a16:colId xmlns:a16="http://schemas.microsoft.com/office/drawing/2014/main" xmlns="" val="20006"/>
+                      <a16:colId xmlns="" xmlns:a16="http://schemas.microsoft.com/office/drawing/2014/main" val="20006"/>
                     </a:ext>
                   </a:extLst>
                 </a:gridCol>
                 <a:gridCol w="468000">
                   <a:extLst>
                     <a:ext uri="{9D8B030D-6E8A-4147-A177-3AD203B41FA5}">
-                      <a16:colId xmlns:a16="http://schemas.microsoft.com/office/drawing/2014/main" xmlns="" val="20007"/>
+                      <a16:colId xmlns="" xmlns:a16="http://schemas.microsoft.com/office/drawing/2014/main" val="20007"/>
                     </a:ext>
                   </a:extLst>
                 </a:gridCol>
                 <a:gridCol w="468000">
                   <a:extLst>
                     <a:ext uri="{9D8B030D-6E8A-4147-A177-3AD203B41FA5}">
-                      <a16:colId xmlns:a16="http://schemas.microsoft.com/office/drawing/2014/main" xmlns="" val="20008"/>
+                      <a16:colId xmlns="" xmlns:a16="http://schemas.microsoft.com/office/drawing/2014/main" val="20008"/>
                     </a:ext>
                   </a:extLst>
                 </a:gridCol>
@@ -11251,7 +11335,7 @@
                 </a:tc>
                 <a:extLst>
                   <a:ext uri="{0D108BD9-81ED-4DB2-BD59-A6C34878D82A}">
-                    <a16:rowId xmlns:a16="http://schemas.microsoft.com/office/drawing/2014/main" xmlns="" val="10000"/>
+                    <a16:rowId xmlns="" xmlns:a16="http://schemas.microsoft.com/office/drawing/2014/main" val="10000"/>
                   </a:ext>
                 </a:extLst>
               </a:tr>
@@ -11395,7 +11479,7 @@
                 </a:tc>
                 <a:extLst>
                   <a:ext uri="{0D108BD9-81ED-4DB2-BD59-A6C34878D82A}">
-                    <a16:rowId xmlns:a16="http://schemas.microsoft.com/office/drawing/2014/main" xmlns="" val="10001"/>
+                    <a16:rowId xmlns="" xmlns:a16="http://schemas.microsoft.com/office/drawing/2014/main" val="10001"/>
                   </a:ext>
                 </a:extLst>
               </a:tr>
@@ -11534,7 +11618,7 @@
                 </a:tc>
                 <a:extLst>
                   <a:ext uri="{0D108BD9-81ED-4DB2-BD59-A6C34878D82A}">
-                    <a16:rowId xmlns:a16="http://schemas.microsoft.com/office/drawing/2014/main" xmlns="" val="10002"/>
+                    <a16:rowId xmlns="" xmlns:a16="http://schemas.microsoft.com/office/drawing/2014/main" val="10002"/>
                   </a:ext>
                 </a:extLst>
               </a:tr>
@@ -11673,7 +11757,7 @@
                 </a:tc>
                 <a:extLst>
                   <a:ext uri="{0D108BD9-81ED-4DB2-BD59-A6C34878D82A}">
-                    <a16:rowId xmlns:a16="http://schemas.microsoft.com/office/drawing/2014/main" xmlns="" val="10003"/>
+                    <a16:rowId xmlns="" xmlns:a16="http://schemas.microsoft.com/office/drawing/2014/main" val="10003"/>
                   </a:ext>
                 </a:extLst>
               </a:tr>
@@ -12683,7 +12767,7 @@
           <p:cNvPr id="3" name="TextBox 2">
             <a:extLst>
               <a:ext uri="{FF2B5EF4-FFF2-40B4-BE49-F238E27FC236}">
-                <a16:creationId xmlns:a16="http://schemas.microsoft.com/office/drawing/2014/main" xmlns="" id="{55891AF8-79CF-4F47-B8E3-82FB6AC0FD6F}"/>
+                <a16:creationId xmlns="" xmlns:a16="http://schemas.microsoft.com/office/drawing/2014/main" id="{55891AF8-79CF-4F47-B8E3-82FB6AC0FD6F}"/>
               </a:ext>
             </a:extLst>
           </p:cNvPr>
@@ -12715,7 +12799,7 @@
           <p:cNvPr id="32" name="TextBox 31">
             <a:extLst>
               <a:ext uri="{FF2B5EF4-FFF2-40B4-BE49-F238E27FC236}">
-                <a16:creationId xmlns:a16="http://schemas.microsoft.com/office/drawing/2014/main" xmlns="" id="{D04ACD0C-7FE8-489F-829D-E53CC278B733}"/>
+                <a16:creationId xmlns="" xmlns:a16="http://schemas.microsoft.com/office/drawing/2014/main" id="{D04ACD0C-7FE8-489F-829D-E53CC278B733}"/>
               </a:ext>
             </a:extLst>
           </p:cNvPr>
@@ -16866,63 +16950,63 @@
                 <a:gridCol w="1038406">
                   <a:extLst>
                     <a:ext uri="{9D8B030D-6E8A-4147-A177-3AD203B41FA5}">
-                      <a16:colId xmlns:a16="http://schemas.microsoft.com/office/drawing/2014/main" xmlns="" val="20000"/>
+                      <a16:colId xmlns="" xmlns:a16="http://schemas.microsoft.com/office/drawing/2014/main" val="20000"/>
                     </a:ext>
                   </a:extLst>
                 </a:gridCol>
                 <a:gridCol w="468000">
                   <a:extLst>
                     <a:ext uri="{9D8B030D-6E8A-4147-A177-3AD203B41FA5}">
-                      <a16:colId xmlns:a16="http://schemas.microsoft.com/office/drawing/2014/main" xmlns="" val="20001"/>
+                      <a16:colId xmlns="" xmlns:a16="http://schemas.microsoft.com/office/drawing/2014/main" val="20001"/>
                     </a:ext>
                   </a:extLst>
                 </a:gridCol>
                 <a:gridCol w="468000">
                   <a:extLst>
                     <a:ext uri="{9D8B030D-6E8A-4147-A177-3AD203B41FA5}">
-                      <a16:colId xmlns:a16="http://schemas.microsoft.com/office/drawing/2014/main" xmlns="" val="20002"/>
+                      <a16:colId xmlns="" xmlns:a16="http://schemas.microsoft.com/office/drawing/2014/main" val="20002"/>
                     </a:ext>
                   </a:extLst>
                 </a:gridCol>
                 <a:gridCol w="468000">
                   <a:extLst>
                     <a:ext uri="{9D8B030D-6E8A-4147-A177-3AD203B41FA5}">
-                      <a16:colId xmlns:a16="http://schemas.microsoft.com/office/drawing/2014/main" xmlns="" val="20003"/>
+                      <a16:colId xmlns="" xmlns:a16="http://schemas.microsoft.com/office/drawing/2014/main" val="20003"/>
                     </a:ext>
                   </a:extLst>
                 </a:gridCol>
                 <a:gridCol w="468000">
                   <a:extLst>
                     <a:ext uri="{9D8B030D-6E8A-4147-A177-3AD203B41FA5}">
-                      <a16:colId xmlns:a16="http://schemas.microsoft.com/office/drawing/2014/main" xmlns="" val="20004"/>
+                      <a16:colId xmlns="" xmlns:a16="http://schemas.microsoft.com/office/drawing/2014/main" val="20004"/>
                     </a:ext>
                   </a:extLst>
                 </a:gridCol>
                 <a:gridCol w="468000">
                   <a:extLst>
                     <a:ext uri="{9D8B030D-6E8A-4147-A177-3AD203B41FA5}">
-                      <a16:colId xmlns:a16="http://schemas.microsoft.com/office/drawing/2014/main" xmlns="" val="20005"/>
+                      <a16:colId xmlns="" xmlns:a16="http://schemas.microsoft.com/office/drawing/2014/main" val="20005"/>
                     </a:ext>
                   </a:extLst>
                 </a:gridCol>
                 <a:gridCol w="468000">
                   <a:extLst>
                     <a:ext uri="{9D8B030D-6E8A-4147-A177-3AD203B41FA5}">
-                      <a16:colId xmlns:a16="http://schemas.microsoft.com/office/drawing/2014/main" xmlns="" val="20006"/>
+                      <a16:colId xmlns="" xmlns:a16="http://schemas.microsoft.com/office/drawing/2014/main" val="20006"/>
                     </a:ext>
                   </a:extLst>
                 </a:gridCol>
                 <a:gridCol w="468000">
                   <a:extLst>
                     <a:ext uri="{9D8B030D-6E8A-4147-A177-3AD203B41FA5}">
-                      <a16:colId xmlns:a16="http://schemas.microsoft.com/office/drawing/2014/main" xmlns="" val="20007"/>
+                      <a16:colId xmlns="" xmlns:a16="http://schemas.microsoft.com/office/drawing/2014/main" val="20007"/>
                     </a:ext>
                   </a:extLst>
                 </a:gridCol>
                 <a:gridCol w="468000">
                   <a:extLst>
                     <a:ext uri="{9D8B030D-6E8A-4147-A177-3AD203B41FA5}">
-                      <a16:colId xmlns:a16="http://schemas.microsoft.com/office/drawing/2014/main" xmlns="" val="20008"/>
+                      <a16:colId xmlns="" xmlns:a16="http://schemas.microsoft.com/office/drawing/2014/main" val="20008"/>
                     </a:ext>
                   </a:extLst>
                 </a:gridCol>
@@ -17067,7 +17151,7 @@
                 </a:tc>
                 <a:extLst>
                   <a:ext uri="{0D108BD9-81ED-4DB2-BD59-A6C34878D82A}">
-                    <a16:rowId xmlns:a16="http://schemas.microsoft.com/office/drawing/2014/main" xmlns="" val="10000"/>
+                    <a16:rowId xmlns="" xmlns:a16="http://schemas.microsoft.com/office/drawing/2014/main" val="10000"/>
                   </a:ext>
                 </a:extLst>
               </a:tr>
@@ -17211,7 +17295,7 @@
                 </a:tc>
                 <a:extLst>
                   <a:ext uri="{0D108BD9-81ED-4DB2-BD59-A6C34878D82A}">
-                    <a16:rowId xmlns:a16="http://schemas.microsoft.com/office/drawing/2014/main" xmlns="" val="10001"/>
+                    <a16:rowId xmlns="" xmlns:a16="http://schemas.microsoft.com/office/drawing/2014/main" val="10001"/>
                   </a:ext>
                 </a:extLst>
               </a:tr>
@@ -17350,7 +17434,7 @@
                 </a:tc>
                 <a:extLst>
                   <a:ext uri="{0D108BD9-81ED-4DB2-BD59-A6C34878D82A}">
-                    <a16:rowId xmlns:a16="http://schemas.microsoft.com/office/drawing/2014/main" xmlns="" val="10002"/>
+                    <a16:rowId xmlns="" xmlns:a16="http://schemas.microsoft.com/office/drawing/2014/main" val="10002"/>
                   </a:ext>
                 </a:extLst>
               </a:tr>
@@ -17489,7 +17573,7 @@
                 </a:tc>
                 <a:extLst>
                   <a:ext uri="{0D108BD9-81ED-4DB2-BD59-A6C34878D82A}">
-                    <a16:rowId xmlns:a16="http://schemas.microsoft.com/office/drawing/2014/main" xmlns="" val="10003"/>
+                    <a16:rowId xmlns="" xmlns:a16="http://schemas.microsoft.com/office/drawing/2014/main" val="10003"/>
                   </a:ext>
                 </a:extLst>
               </a:tr>
@@ -18499,7 +18583,7 @@
           <p:cNvPr id="32" name="직선 화살표 연결선 31">
             <a:extLst>
               <a:ext uri="{FF2B5EF4-FFF2-40B4-BE49-F238E27FC236}">
-                <a16:creationId xmlns:a16="http://schemas.microsoft.com/office/drawing/2014/main" xmlns="" id="{67295CE4-B12B-4C1B-B4B1-2581DB009B52}"/>
+                <a16:creationId xmlns="" xmlns:a16="http://schemas.microsoft.com/office/drawing/2014/main" id="{67295CE4-B12B-4C1B-B4B1-2581DB009B52}"/>
               </a:ext>
             </a:extLst>
           </p:cNvPr>
@@ -18541,7 +18625,7 @@
           <p:cNvPr id="89" name="TextBox 88">
             <a:extLst>
               <a:ext uri="{FF2B5EF4-FFF2-40B4-BE49-F238E27FC236}">
-                <a16:creationId xmlns:a16="http://schemas.microsoft.com/office/drawing/2014/main" xmlns="" id="{F34E007B-4279-4757-B761-59591A222974}"/>
+                <a16:creationId xmlns="" xmlns:a16="http://schemas.microsoft.com/office/drawing/2014/main" id="{F34E007B-4279-4757-B761-59591A222974}"/>
               </a:ext>
             </a:extLst>
           </p:cNvPr>
@@ -18622,7 +18706,7 @@
           <p:cNvPr id="90" name="직선 화살표 연결선 89">
             <a:extLst>
               <a:ext uri="{FF2B5EF4-FFF2-40B4-BE49-F238E27FC236}">
-                <a16:creationId xmlns:a16="http://schemas.microsoft.com/office/drawing/2014/main" xmlns="" id="{EAB2515F-A088-4341-BD63-0B53203595EE}"/>
+                <a16:creationId xmlns="" xmlns:a16="http://schemas.microsoft.com/office/drawing/2014/main" id="{EAB2515F-A088-4341-BD63-0B53203595EE}"/>
               </a:ext>
             </a:extLst>
           </p:cNvPr>
@@ -18667,7 +18751,7 @@
           <p:cNvPr id="94" name="직선 화살표 연결선 93">
             <a:extLst>
               <a:ext uri="{FF2B5EF4-FFF2-40B4-BE49-F238E27FC236}">
-                <a16:creationId xmlns:a16="http://schemas.microsoft.com/office/drawing/2014/main" xmlns="" id="{BB3A143E-390C-41DD-8A83-3C2E996C0C4F}"/>
+                <a16:creationId xmlns="" xmlns:a16="http://schemas.microsoft.com/office/drawing/2014/main" id="{BB3A143E-390C-41DD-8A83-3C2E996C0C4F}"/>
               </a:ext>
             </a:extLst>
           </p:cNvPr>
@@ -18709,7 +18793,7 @@
           <p:cNvPr id="95" name="직선 화살표 연결선 94">
             <a:extLst>
               <a:ext uri="{FF2B5EF4-FFF2-40B4-BE49-F238E27FC236}">
-                <a16:creationId xmlns:a16="http://schemas.microsoft.com/office/drawing/2014/main" xmlns="" id="{4A41252E-58E0-4EF3-BC95-C60B96213F38}"/>
+                <a16:creationId xmlns="" xmlns:a16="http://schemas.microsoft.com/office/drawing/2014/main" id="{4A41252E-58E0-4EF3-BC95-C60B96213F38}"/>
               </a:ext>
             </a:extLst>
           </p:cNvPr>
@@ -18753,7 +18837,7 @@
           <p:cNvPr id="96" name="직선 화살표 연결선 95">
             <a:extLst>
               <a:ext uri="{FF2B5EF4-FFF2-40B4-BE49-F238E27FC236}">
-                <a16:creationId xmlns:a16="http://schemas.microsoft.com/office/drawing/2014/main" xmlns="" id="{31BB1959-A96D-43F1-AF2F-EC3A0C0039C6}"/>
+                <a16:creationId xmlns="" xmlns:a16="http://schemas.microsoft.com/office/drawing/2014/main" id="{31BB1959-A96D-43F1-AF2F-EC3A0C0039C6}"/>
               </a:ext>
             </a:extLst>
           </p:cNvPr>
@@ -18798,7 +18882,7 @@
           <p:cNvPr id="97" name="직선 화살표 연결선 96">
             <a:extLst>
               <a:ext uri="{FF2B5EF4-FFF2-40B4-BE49-F238E27FC236}">
-                <a16:creationId xmlns:a16="http://schemas.microsoft.com/office/drawing/2014/main" xmlns="" id="{A767C891-0001-4D10-BAAC-8D0EA077217B}"/>
+                <a16:creationId xmlns="" xmlns:a16="http://schemas.microsoft.com/office/drawing/2014/main" id="{A767C891-0001-4D10-BAAC-8D0EA077217B}"/>
               </a:ext>
             </a:extLst>
           </p:cNvPr>
@@ -18840,7 +18924,7 @@
           <p:cNvPr id="99" name="TextBox 98">
             <a:extLst>
               <a:ext uri="{FF2B5EF4-FFF2-40B4-BE49-F238E27FC236}">
-                <a16:creationId xmlns:a16="http://schemas.microsoft.com/office/drawing/2014/main" xmlns="" id="{390FA778-17D3-4382-B070-FFEEE5134E4A}"/>
+                <a16:creationId xmlns="" xmlns:a16="http://schemas.microsoft.com/office/drawing/2014/main" id="{390FA778-17D3-4382-B070-FFEEE5134E4A}"/>
               </a:ext>
             </a:extLst>
           </p:cNvPr>
@@ -19123,7 +19207,7 @@
           <p:cNvPr id="9" name="TextBox 8">
             <a:extLst>
               <a:ext uri="{FF2B5EF4-FFF2-40B4-BE49-F238E27FC236}">
-                <a16:creationId xmlns:a16="http://schemas.microsoft.com/office/drawing/2014/main" xmlns="" id="{2355503C-A3E1-4719-8285-D8D3E203F732}"/>
+                <a16:creationId xmlns="" xmlns:a16="http://schemas.microsoft.com/office/drawing/2014/main" id="{2355503C-A3E1-4719-8285-D8D3E203F732}"/>
               </a:ext>
             </a:extLst>
           </p:cNvPr>
@@ -21347,7 +21431,7 @@
                 <a:hlinkClick r:id="rId6">
                   <a:extLst>
                     <a:ext uri="{A12FA001-AC4F-418D-AE19-62706E023703}">
-                      <ahyp:hlinkClr xmlns:ahyp="http://schemas.microsoft.com/office/drawing/2018/hyperlinkcolor" xmlns="" val="tx"/>
+                      <ahyp:hlinkClr xmlns="" xmlns:ahyp="http://schemas.microsoft.com/office/drawing/2018/hyperlinkcolor" val="tx"/>
                     </a:ext>
                   </a:extLst>
                 </a:hlinkClick>
@@ -21532,7 +21616,7 @@
                 <a:hlinkClick r:id="rId10">
                   <a:extLst>
                     <a:ext uri="{A12FA001-AC4F-418D-AE19-62706E023703}">
-                      <ahyp:hlinkClr xmlns:ahyp="http://schemas.microsoft.com/office/drawing/2018/hyperlinkcolor" xmlns="" val="tx"/>
+                      <ahyp:hlinkClr xmlns="" xmlns:ahyp="http://schemas.microsoft.com/office/drawing/2018/hyperlinkcolor" val="tx"/>
                     </a:ext>
                   </a:extLst>
                 </a:hlinkClick>
@@ -22433,7 +22517,7 @@
           <p:nvPr/>
         </p:nvPicPr>
         <p:blipFill rotWithShape="1">
-          <a:blip r:embed="rId2">
+          <a:blip r:embed="rId3">
             <a:extLst>
               <a:ext uri="{28A0092B-C50C-407E-A947-70E740481C1C}">
                 <a14:useLocalDpi xmlns:a14="http://schemas.microsoft.com/office/drawing/2010/main" val="0"/>
@@ -22490,7 +22574,7 @@
           <p:nvPr/>
         </p:nvPicPr>
         <p:blipFill rotWithShape="1">
-          <a:blip r:embed="rId2">
+          <a:blip r:embed="rId3">
             <a:extLst>
               <a:ext uri="{28A0092B-C50C-407E-A947-70E740481C1C}">
                 <a14:useLocalDpi xmlns:a14="http://schemas.microsoft.com/office/drawing/2010/main" val="0"/>
